--- a/week3/presentation/Cab analysis.pptx
+++ b/week3/presentation/Cab analysis.pptx
@@ -18,9 +18,8 @@
     <p:sldId id="267" r:id="rId12"/>
     <p:sldId id="268" r:id="rId13"/>
     <p:sldId id="269" r:id="rId14"/>
-    <p:sldId id="270" r:id="rId15"/>
-    <p:sldId id="271" r:id="rId16"/>
-    <p:sldId id="272" r:id="rId17"/>
+    <p:sldId id="271" r:id="rId15"/>
+    <p:sldId id="272" r:id="rId16"/>
   </p:sldIdLst>
   <p:sldSz cx="12192000" cy="6858000"/>
   <p:notesSz cx="6858000" cy="9144000"/>
@@ -132,6 +131,7 @@
   <p1510:revLst>
     <p1510:client id="{003474CB-8401-4A40-93E1-21633D56512A}" v="111" dt="2022-06-10T15:18:25.340"/>
     <p1510:client id="{288BD529-B9BF-41AC-870F-16D4CF6EA63B}" v="1196" dt="2022-10-21T14:58:22.714"/>
+    <p1510:client id="{CE17ED3A-2E9C-4680-9FB1-4531C7B835ED}" v="1" dt="2022-11-12T15:42:02.043"/>
     <p1510:client id="{EBF3B6D7-5BE4-46EB-B246-C15154526CF2}" v="88" dt="2022-06-10T13:02:31.654"/>
     <p1510:client id="{F2B92DBC-E6B1-4450-873B-54DFB30D710B}" v="525" dt="2022-06-10T14:24:50.645"/>
   </p1510:revLst>
@@ -289,7 +289,7 @@
           <a:p>
             <a:fld id="{8C1E1FAD-7351-4908-963A-08EA8E4AB7A0}" type="datetimeFigureOut">
               <a:rPr lang="en-US" smtClean="0"/>
-              <a:t>10/21/2022</a:t>
+              <a:t>11/12/2022</a:t>
             </a:fld>
             <a:endParaRPr lang="en-US"/>
           </a:p>
@@ -487,7 +487,7 @@
           <a:p>
             <a:fld id="{8C1E1FAD-7351-4908-963A-08EA8E4AB7A0}" type="datetimeFigureOut">
               <a:rPr lang="en-US" smtClean="0"/>
-              <a:t>10/21/2022</a:t>
+              <a:t>11/12/2022</a:t>
             </a:fld>
             <a:endParaRPr lang="en-US"/>
           </a:p>
@@ -695,7 +695,7 @@
           <a:p>
             <a:fld id="{8C1E1FAD-7351-4908-963A-08EA8E4AB7A0}" type="datetimeFigureOut">
               <a:rPr lang="en-US" smtClean="0"/>
-              <a:t>10/21/2022</a:t>
+              <a:t>11/12/2022</a:t>
             </a:fld>
             <a:endParaRPr lang="en-US"/>
           </a:p>
@@ -924,7 +924,7 @@
           <a:p>
             <a:fld id="{8C1E1FAD-7351-4908-963A-08EA8E4AB7A0}" type="datetimeFigureOut">
               <a:rPr lang="en-US" smtClean="0"/>
-              <a:t>10/21/2022</a:t>
+              <a:t>11/12/2022</a:t>
             </a:fld>
             <a:endParaRPr lang="en-US"/>
           </a:p>
@@ -1201,7 +1201,7 @@
           <a:p>
             <a:fld id="{8C1E1FAD-7351-4908-963A-08EA8E4AB7A0}" type="datetimeFigureOut">
               <a:rPr lang="en-US" smtClean="0"/>
-              <a:t>10/21/2022</a:t>
+              <a:t>11/12/2022</a:t>
             </a:fld>
             <a:endParaRPr lang="en-US"/>
           </a:p>
@@ -1466,7 +1466,7 @@
           <a:p>
             <a:fld id="{8C1E1FAD-7351-4908-963A-08EA8E4AB7A0}" type="datetimeFigureOut">
               <a:rPr lang="en-US" smtClean="0"/>
-              <a:t>10/21/2022</a:t>
+              <a:t>11/12/2022</a:t>
             </a:fld>
             <a:endParaRPr lang="en-US"/>
           </a:p>
@@ -1882,7 +1882,7 @@
           <a:p>
             <a:fld id="{8C1E1FAD-7351-4908-963A-08EA8E4AB7A0}" type="datetimeFigureOut">
               <a:rPr lang="en-US" smtClean="0"/>
-              <a:t>10/21/2022</a:t>
+              <a:t>11/12/2022</a:t>
             </a:fld>
             <a:endParaRPr lang="en-US"/>
           </a:p>
@@ -2028,7 +2028,7 @@
           <a:p>
             <a:fld id="{8C1E1FAD-7351-4908-963A-08EA8E4AB7A0}" type="datetimeFigureOut">
               <a:rPr lang="en-US" smtClean="0"/>
-              <a:t>10/21/2022</a:t>
+              <a:t>11/12/2022</a:t>
             </a:fld>
             <a:endParaRPr lang="en-US"/>
           </a:p>
@@ -2141,7 +2141,7 @@
           <a:p>
             <a:fld id="{8C1E1FAD-7351-4908-963A-08EA8E4AB7A0}" type="datetimeFigureOut">
               <a:rPr lang="en-US" smtClean="0"/>
-              <a:t>10/21/2022</a:t>
+              <a:t>11/12/2022</a:t>
             </a:fld>
             <a:endParaRPr lang="en-US"/>
           </a:p>
@@ -2456,7 +2456,7 @@
           <a:p>
             <a:fld id="{8C1E1FAD-7351-4908-963A-08EA8E4AB7A0}" type="datetimeFigureOut">
               <a:rPr lang="en-US" smtClean="0"/>
-              <a:t>10/21/2022</a:t>
+              <a:t>11/12/2022</a:t>
             </a:fld>
             <a:endParaRPr lang="en-US"/>
           </a:p>
@@ -2749,7 +2749,7 @@
           <a:p>
             <a:fld id="{8C1E1FAD-7351-4908-963A-08EA8E4AB7A0}" type="datetimeFigureOut">
               <a:rPr lang="en-US" smtClean="0"/>
-              <a:t>10/21/2022</a:t>
+              <a:t>11/12/2022</a:t>
             </a:fld>
             <a:endParaRPr lang="en-US"/>
           </a:p>
@@ -2989,7 +2989,7 @@
             <a:fld id="{8C1E1FAD-7351-4908-963A-08EA8E4AB7A0}" type="datetimeFigureOut">
               <a:rPr lang="en-US" smtClean="0"/>
               <a:pPr/>
-              <a:t>10/21/2022</a:t>
+              <a:t>11/12/2022</a:t>
             </a:fld>
             <a:endParaRPr lang="en-US" dirty="0"/>
           </a:p>
@@ -9163,137 +9163,6 @@
           <p:cNvPr id="2" name="Заголовок 1">
             <a:extLst>
               <a:ext uri="{FF2B5EF4-FFF2-40B4-BE49-F238E27FC236}">
-                <a16:creationId xmlns:a16="http://schemas.microsoft.com/office/drawing/2014/main" id="{A8887A9D-F957-A6FD-77CC-2053A7429DB3}"/>
-              </a:ext>
-            </a:extLst>
-          </p:cNvPr>
-          <p:cNvSpPr>
-            <a:spLocks noGrp="1"/>
-          </p:cNvSpPr>
-          <p:nvPr>
-            <p:ph type="title"/>
-          </p:nvPr>
-        </p:nvSpPr>
-        <p:spPr>
-          <a:xfrm>
-            <a:off x="1219200" y="457200"/>
-            <a:ext cx="9203718" cy="921575"/>
-          </a:xfrm>
-        </p:spPr>
-        <p:txBody>
-          <a:bodyPr/>
-          <a:lstStyle/>
-          <a:p>
-            <a:r>
-              <a:rPr lang="ru-RU" dirty="0" err="1"/>
-              <a:t>Profit</a:t>
-            </a:r>
-            <a:r>
-              <a:rPr lang="ru-RU" dirty="0"/>
-              <a:t> </a:t>
-            </a:r>
-            <a:r>
-              <a:rPr lang="ru-RU" dirty="0" err="1"/>
-              <a:t>forecasting</a:t>
-            </a:r>
-            <a:r>
-              <a:rPr lang="ru-RU" dirty="0"/>
-              <a:t> </a:t>
-            </a:r>
-            <a:r>
-              <a:rPr lang="ru-RU" dirty="0" err="1"/>
-              <a:t>for</a:t>
-            </a:r>
-            <a:r>
-              <a:rPr lang="ru-RU" dirty="0"/>
-              <a:t>  2019</a:t>
-            </a:r>
-          </a:p>
-        </p:txBody>
-      </p:sp>
-      <p:sp>
-        <p:nvSpPr>
-          <p:cNvPr id="3" name="Рисунок 2">
-            <a:extLst>
-              <a:ext uri="{FF2B5EF4-FFF2-40B4-BE49-F238E27FC236}">
-                <a16:creationId xmlns:a16="http://schemas.microsoft.com/office/drawing/2014/main" id="{8B262B36-48BF-4643-B27D-B4A99A8C1CF6}"/>
-              </a:ext>
-            </a:extLst>
-          </p:cNvPr>
-          <p:cNvSpPr>
-            <a:spLocks noGrp="1"/>
-          </p:cNvSpPr>
-          <p:nvPr>
-            <p:ph type="pic" idx="1"/>
-          </p:nvPr>
-        </p:nvSpPr>
-        <p:spPr>
-          <a:xfrm>
-            <a:off x="5674810" y="3590233"/>
-            <a:ext cx="5831389" cy="2581968"/>
-          </a:xfrm>
-        </p:spPr>
-      </p:sp>
-      <p:sp>
-        <p:nvSpPr>
-          <p:cNvPr id="4" name="Текст 3">
-            <a:extLst>
-              <a:ext uri="{FF2B5EF4-FFF2-40B4-BE49-F238E27FC236}">
-                <a16:creationId xmlns:a16="http://schemas.microsoft.com/office/drawing/2014/main" id="{01518046-736A-CB44-EBCE-92194098E8D6}"/>
-              </a:ext>
-            </a:extLst>
-          </p:cNvPr>
-          <p:cNvSpPr>
-            <a:spLocks noGrp="1"/>
-          </p:cNvSpPr>
-          <p:nvPr>
-            <p:ph type="body" sz="half" idx="2"/>
-          </p:nvPr>
-        </p:nvSpPr>
-        <p:spPr/>
-        <p:txBody>
-          <a:bodyPr/>
-          <a:lstStyle/>
-          <a:p>
-            <a:endParaRPr lang="ru-RU"/>
-          </a:p>
-        </p:txBody>
-      </p:sp>
-    </p:spTree>
-    <p:extLst>
-      <p:ext uri="{BB962C8B-B14F-4D97-AF65-F5344CB8AC3E}">
-        <p14:creationId xmlns:p14="http://schemas.microsoft.com/office/powerpoint/2010/main" val="3378878792"/>
-      </p:ext>
-    </p:extLst>
-  </p:cSld>
-  <p:clrMapOvr>
-    <a:masterClrMapping/>
-  </p:clrMapOvr>
-</p:sld>
-</file>
-
-<file path=ppt/slides/slide15.xml><?xml version="1.0" encoding="utf-8"?>
-<p:sld xmlns:a="http://schemas.openxmlformats.org/drawingml/2006/main" xmlns:r="http://schemas.openxmlformats.org/officeDocument/2006/relationships" xmlns:p="http://schemas.openxmlformats.org/presentationml/2006/main">
-  <p:cSld>
-    <p:spTree>
-      <p:nvGrpSpPr>
-        <p:cNvPr id="1" name=""/>
-        <p:cNvGrpSpPr/>
-        <p:nvPr/>
-      </p:nvGrpSpPr>
-      <p:grpSpPr>
-        <a:xfrm>
-          <a:off x="0" y="0"/>
-          <a:ext cx="0" cy="0"/>
-          <a:chOff x="0" y="0"/>
-          <a:chExt cx="0" cy="0"/>
-        </a:xfrm>
-      </p:grpSpPr>
-      <p:sp>
-        <p:nvSpPr>
-          <p:cNvPr id="2" name="Заголовок 1">
-            <a:extLst>
-              <a:ext uri="{FF2B5EF4-FFF2-40B4-BE49-F238E27FC236}">
                 <a16:creationId xmlns:a16="http://schemas.microsoft.com/office/drawing/2014/main" id="{A49C7F72-4F78-DB93-441F-045F2F7951BD}"/>
               </a:ext>
             </a:extLst>
@@ -12990,7 +12859,7 @@
 </p:sld>
 </file>
 
-<file path=ppt/slides/slide16.xml><?xml version="1.0" encoding="utf-8"?>
+<file path=ppt/slides/slide15.xml><?xml version="1.0" encoding="utf-8"?>
 <p:sld xmlns:a="http://schemas.openxmlformats.org/drawingml/2006/main" xmlns:r="http://schemas.openxmlformats.org/officeDocument/2006/relationships" xmlns:p="http://schemas.openxmlformats.org/presentationml/2006/main">
   <p:cSld>
     <p:bg>

--- a/week3/presentation/Cab analysis.pptx
+++ b/week3/presentation/Cab analysis.pptx
@@ -131,6 +131,7 @@
   <p1510:revLst>
     <p1510:client id="{003474CB-8401-4A40-93E1-21633D56512A}" v="111" dt="2022-06-10T15:18:25.340"/>
     <p1510:client id="{288BD529-B9BF-41AC-870F-16D4CF6EA63B}" v="1196" dt="2022-10-21T14:58:22.714"/>
+    <p1510:client id="{A4E00FBA-6FF7-4D1F-A2B0-4B39C691A047}" v="36" dt="2022-11-13T19:28:51.876"/>
     <p1510:client id="{CE17ED3A-2E9C-4680-9FB1-4531C7B835ED}" v="1" dt="2022-11-12T15:42:02.043"/>
     <p1510:client id="{EBF3B6D7-5BE4-46EB-B246-C15154526CF2}" v="88" dt="2022-06-10T13:02:31.654"/>
     <p1510:client id="{F2B92DBC-E6B1-4450-873B-54DFB30D710B}" v="525" dt="2022-06-10T14:24:50.645"/>
@@ -289,7 +290,7 @@
           <a:p>
             <a:fld id="{8C1E1FAD-7351-4908-963A-08EA8E4AB7A0}" type="datetimeFigureOut">
               <a:rPr lang="en-US" smtClean="0"/>
-              <a:t>11/12/2022</a:t>
+              <a:t>11/13/2022</a:t>
             </a:fld>
             <a:endParaRPr lang="en-US"/>
           </a:p>
@@ -487,7 +488,7 @@
           <a:p>
             <a:fld id="{8C1E1FAD-7351-4908-963A-08EA8E4AB7A0}" type="datetimeFigureOut">
               <a:rPr lang="en-US" smtClean="0"/>
-              <a:t>11/12/2022</a:t>
+              <a:t>11/13/2022</a:t>
             </a:fld>
             <a:endParaRPr lang="en-US"/>
           </a:p>
@@ -695,7 +696,7 @@
           <a:p>
             <a:fld id="{8C1E1FAD-7351-4908-963A-08EA8E4AB7A0}" type="datetimeFigureOut">
               <a:rPr lang="en-US" smtClean="0"/>
-              <a:t>11/12/2022</a:t>
+              <a:t>11/13/2022</a:t>
             </a:fld>
             <a:endParaRPr lang="en-US"/>
           </a:p>
@@ -924,7 +925,7 @@
           <a:p>
             <a:fld id="{8C1E1FAD-7351-4908-963A-08EA8E4AB7A0}" type="datetimeFigureOut">
               <a:rPr lang="en-US" smtClean="0"/>
-              <a:t>11/12/2022</a:t>
+              <a:t>11/13/2022</a:t>
             </a:fld>
             <a:endParaRPr lang="en-US"/>
           </a:p>
@@ -1201,7 +1202,7 @@
           <a:p>
             <a:fld id="{8C1E1FAD-7351-4908-963A-08EA8E4AB7A0}" type="datetimeFigureOut">
               <a:rPr lang="en-US" smtClean="0"/>
-              <a:t>11/12/2022</a:t>
+              <a:t>11/13/2022</a:t>
             </a:fld>
             <a:endParaRPr lang="en-US"/>
           </a:p>
@@ -1466,7 +1467,7 @@
           <a:p>
             <a:fld id="{8C1E1FAD-7351-4908-963A-08EA8E4AB7A0}" type="datetimeFigureOut">
               <a:rPr lang="en-US" smtClean="0"/>
-              <a:t>11/12/2022</a:t>
+              <a:t>11/13/2022</a:t>
             </a:fld>
             <a:endParaRPr lang="en-US"/>
           </a:p>
@@ -1882,7 +1883,7 @@
           <a:p>
             <a:fld id="{8C1E1FAD-7351-4908-963A-08EA8E4AB7A0}" type="datetimeFigureOut">
               <a:rPr lang="en-US" smtClean="0"/>
-              <a:t>11/12/2022</a:t>
+              <a:t>11/13/2022</a:t>
             </a:fld>
             <a:endParaRPr lang="en-US"/>
           </a:p>
@@ -2028,7 +2029,7 @@
           <a:p>
             <a:fld id="{8C1E1FAD-7351-4908-963A-08EA8E4AB7A0}" type="datetimeFigureOut">
               <a:rPr lang="en-US" smtClean="0"/>
-              <a:t>11/12/2022</a:t>
+              <a:t>11/13/2022</a:t>
             </a:fld>
             <a:endParaRPr lang="en-US"/>
           </a:p>
@@ -2141,7 +2142,7 @@
           <a:p>
             <a:fld id="{8C1E1FAD-7351-4908-963A-08EA8E4AB7A0}" type="datetimeFigureOut">
               <a:rPr lang="en-US" smtClean="0"/>
-              <a:t>11/12/2022</a:t>
+              <a:t>11/13/2022</a:t>
             </a:fld>
             <a:endParaRPr lang="en-US"/>
           </a:p>
@@ -2456,7 +2457,7 @@
           <a:p>
             <a:fld id="{8C1E1FAD-7351-4908-963A-08EA8E4AB7A0}" type="datetimeFigureOut">
               <a:rPr lang="en-US" smtClean="0"/>
-              <a:t>11/12/2022</a:t>
+              <a:t>11/13/2022</a:t>
             </a:fld>
             <a:endParaRPr lang="en-US"/>
           </a:p>
@@ -2749,7 +2750,7 @@
           <a:p>
             <a:fld id="{8C1E1FAD-7351-4908-963A-08EA8E4AB7A0}" type="datetimeFigureOut">
               <a:rPr lang="en-US" smtClean="0"/>
-              <a:t>11/12/2022</a:t>
+              <a:t>11/13/2022</a:t>
             </a:fld>
             <a:endParaRPr lang="en-US"/>
           </a:p>
@@ -2989,7 +2990,7 @@
             <a:fld id="{8C1E1FAD-7351-4908-963A-08EA8E4AB7A0}" type="datetimeFigureOut">
               <a:rPr lang="en-US" smtClean="0"/>
               <a:pPr/>
-              <a:t>11/12/2022</a:t>
+              <a:t>11/13/2022</a:t>
             </a:fld>
             <a:endParaRPr lang="en-US" dirty="0"/>
           </a:p>
@@ -6409,6 +6410,29 @@
               </a:rPr>
               <a:t>Pulatov</a:t>
             </a:r>
+          </a:p>
+          <a:p>
+            <a:pPr>
+              <a:lnSpc>
+                <a:spcPct val="110000"/>
+              </a:lnSpc>
+            </a:pPr>
+            <a:r>
+              <a:rPr lang="ru-RU" sz="1800" dirty="0">
+                <a:solidFill>
+                  <a:srgbClr val="FFFFFF"/>
+                </a:solidFill>
+                <a:cs typeface="Calibri"/>
+                <a:hlinkClick r:id="rId3"/>
+              </a:rPr>
+              <a:t>Source Code</a:t>
+            </a:r>
+            <a:endParaRPr lang="ru-RU" sz="1800" dirty="0">
+              <a:solidFill>
+                <a:srgbClr val="FFFFFF"/>
+              </a:solidFill>
+              <a:cs typeface="Calibri"/>
+            </a:endParaRPr>
           </a:p>
         </p:txBody>
       </p:sp>
